--- a/2018/2학기/리눅스와 C프로그래밍/A반/7조.pptx
+++ b/2018/2학기/리눅스와 C프로그래밍/A반/7조.pptx
@@ -17462,19 +17462,15 @@
             </a:r>
             <a:r>
               <a:rPr lang="en-US" altLang="ko-KR" dirty="0"/>
-              <a:t>, </a:t>
-            </a:r>
-            <a:r>
-              <a:rPr lang="ko-KR" altLang="en-US" dirty="0" err="1"/>
-              <a:t>스케쥴표</a:t>
-            </a:r>
-            <a:r>
-              <a:rPr lang="en-US" altLang="ko-KR" dirty="0"/>
-              <a:t>, </a:t>
+              <a:t> </a:t>
+            </a:r>
+            <a:r>
+              <a:rPr lang="ko-KR" altLang="en-US" dirty="0" smtClean="0"/>
+              <a:t>등교 </a:t>
             </a:r>
             <a:r>
               <a:rPr lang="ko-KR" altLang="en-US" dirty="0"/>
-              <a:t>등교 전 기상정보 확인 등 이미 시중에 다 있는 </a:t>
+              <a:t>전 기상정보 확인 등 이미 시중에 다 있는 </a:t>
             </a:r>
             <a:r>
               <a:rPr lang="ko-KR" altLang="en-US" dirty="0" err="1" smtClean="0"/>
@@ -17652,10 +17648,10 @@
         </p:nvGrpSpPr>
         <p:grpSpPr>
           <a:xfrm>
-            <a:off x="3519360" y="1117080"/>
-            <a:ext cx="2252880" cy="2685486"/>
-            <a:chOff x="3519360" y="1224000"/>
-            <a:chExt cx="2252880" cy="4752000"/>
+            <a:off x="3615840" y="1229178"/>
+            <a:ext cx="2156400" cy="3974833"/>
+            <a:chOff x="3615840" y="1422360"/>
+            <a:chExt cx="2156400" cy="4553640"/>
           </a:xfrm>
         </p:grpSpPr>
         <p:sp>
@@ -17666,7 +17662,7 @@
           </p:nvSpPr>
           <p:spPr>
             <a:xfrm>
-              <a:off x="3644280" y="2159640"/>
+              <a:off x="3629520" y="2201214"/>
               <a:ext cx="2121480" cy="3688200"/>
             </a:xfrm>
             <a:prstGeom prst="rect">
@@ -17755,6 +17751,16 @@
                   <a:ea typeface="HY신명조"/>
                 </a:rPr>
                 <a:t> </a:t>
+              </a:r>
+              <a:r>
+                <a:rPr lang="en-US" sz="1400" b="0" strike="noStrike" spc="-1" dirty="0" smtClean="0">
+                  <a:solidFill>
+                    <a:srgbClr val="000000"/>
+                  </a:solidFill>
+                  <a:latin typeface="HY신명조"/>
+                  <a:ea typeface="HY신명조"/>
+                </a:rPr>
+                <a:t>(http://data.seoul.go.kr/dataList/datasetList.do)</a:t>
               </a:r>
               <a:r>
                 <a:rPr lang="ko-KR" altLang="en-US" sz="1400" b="0" strike="noStrike" spc="-1" dirty="0" smtClean="0">
@@ -17955,24 +17961,54 @@
                 <a:t> </a:t>
               </a:r>
               <a:r>
-                <a:rPr lang="en-US" sz="1400" b="0" strike="noStrike" spc="-1" dirty="0" err="1">
+                <a:rPr lang="en-US" sz="1400" b="0" strike="noStrike" spc="-1" dirty="0" err="1" smtClean="0">
                   <a:solidFill>
                     <a:srgbClr val="000000"/>
                   </a:solidFill>
                   <a:latin typeface="HY신명조"/>
                   <a:ea typeface="HY신명조"/>
                 </a:rPr>
-                <a:t>공공데이터를</a:t>
+                <a:t>공공데이</a:t>
               </a:r>
               <a:r>
-                <a:rPr lang="en-US" sz="1400" b="0" strike="noStrike" spc="-1" dirty="0">
+                <a:rPr lang="ko-KR" altLang="en-US" sz="1400" b="0" strike="noStrike" spc="-1" dirty="0" smtClean="0">
                   <a:solidFill>
                     <a:srgbClr val="000000"/>
                   </a:solidFill>
                   <a:latin typeface="HY신명조"/>
                   <a:ea typeface="HY신명조"/>
                 </a:rPr>
-                <a:t> </a:t>
+                <a:t>터</a:t>
+              </a:r>
+              <a:r>
+                <a:rPr lang="en-US" altLang="ko-KR" sz="1400" spc="-1" dirty="0" smtClean="0">
+                  <a:solidFill>
+                    <a:srgbClr val="000000"/>
+                  </a:solidFill>
+                  <a:latin typeface="HY신명조"/>
+                  <a:ea typeface="HY신명조"/>
+                </a:rPr>
+                <a:t>(</a:t>
+              </a:r>
+              <a:r>
+                <a:rPr lang="en-US" altLang="ko-KR" sz="1400" spc="-1" dirty="0">
+                  <a:solidFill>
+                    <a:srgbClr val="000000"/>
+                  </a:solidFill>
+                  <a:latin typeface="HY신명조"/>
+                  <a:ea typeface="HY신명조"/>
+                </a:rPr>
+                <a:t>http://data.seoul.go.kr/dataList/datasetList.do)</a:t>
+              </a:r>
+              <a:r>
+                <a:rPr lang="en-US" sz="1400" b="0" strike="noStrike" spc="-1" dirty="0" smtClean="0">
+                  <a:solidFill>
+                    <a:srgbClr val="000000"/>
+                  </a:solidFill>
+                  <a:latin typeface="HY신명조"/>
+                  <a:ea typeface="HY신명조"/>
+                </a:rPr>
+                <a:t>)를 </a:t>
               </a:r>
               <a:r>
                 <a:rPr lang="en-US" sz="1400" b="0" strike="noStrike" spc="-1" dirty="0" err="1">
@@ -18133,17 +18169,37 @@
                 <a:t> </a:t>
               </a:r>
               <a:r>
-                <a:rPr lang="en-US" sz="1400" b="0" strike="noStrike" spc="-1" dirty="0" err="1">
+                <a:rPr lang="en-US" sz="1400" b="0" strike="noStrike" spc="-1" dirty="0" err="1" smtClean="0">
                   <a:solidFill>
                     <a:srgbClr val="000000"/>
                   </a:solidFill>
                   <a:latin typeface="HY신명조"/>
                   <a:ea typeface="HY신명조"/>
                 </a:rPr>
-                <a:t>버스정보시스템에서</a:t>
+                <a:t>버스정보시스템</a:t>
               </a:r>
               <a:r>
-                <a:rPr lang="en-US" sz="1400" b="0" strike="noStrike" spc="-1" dirty="0">
+                <a:rPr lang="en-US" altLang="ko-KR" sz="1400" spc="-1" dirty="0">
+                  <a:solidFill>
+                    <a:srgbClr val="000000"/>
+                  </a:solidFill>
+                  <a:latin typeface="HY신명조"/>
+                  <a:ea typeface="HY신명조"/>
+                </a:rPr>
+                <a:t> (http://data.seoul.go.kr/dataList/datasetList.do) </a:t>
+              </a:r>
+              <a:r>
+                <a:rPr lang="en-US" sz="1400" b="0" strike="noStrike" spc="-1" dirty="0" err="1" smtClean="0">
+                  <a:solidFill>
+                    <a:srgbClr val="000000"/>
+                  </a:solidFill>
+                  <a:latin typeface="HY신명조"/>
+                  <a:ea typeface="HY신명조"/>
+                </a:rPr>
+                <a:t>에서</a:t>
+              </a:r>
+              <a:r>
+                <a:rPr lang="en-US" sz="1400" b="0" strike="noStrike" spc="-1" dirty="0" smtClean="0">
                   <a:solidFill>
                     <a:srgbClr val="000000"/>
                   </a:solidFill>
@@ -18266,8 +18322,8 @@
           </p:nvSpPr>
           <p:spPr>
             <a:xfrm>
-              <a:off x="3651480" y="5923080"/>
-              <a:ext cx="2120760" cy="52920"/>
+              <a:off x="3651480" y="5923079"/>
+              <a:ext cx="2120760" cy="52921"/>
             </a:xfrm>
             <a:prstGeom prst="rect">
               <a:avLst/>
@@ -18366,779 +18422,6 @@
             <a:fontRef idx="minor"/>
           </p:style>
         </p:sp>
-        <p:sp>
-          <p:nvSpPr>
-            <p:cNvPr id="340" name="CustomShape 8"/>
-            <p:cNvSpPr/>
-            <p:nvPr/>
-          </p:nvSpPr>
-          <p:spPr>
-            <a:xfrm>
-              <a:off x="3519360" y="1224000"/>
-              <a:ext cx="463320" cy="634320"/>
-            </a:xfrm>
-            <a:prstGeom prst="rect">
-              <a:avLst/>
-            </a:prstGeom>
-            <a:noFill/>
-            <a:ln>
-              <a:noFill/>
-            </a:ln>
-          </p:spPr>
-          <p:style>
-            <a:lnRef idx="0">
-              <a:scrgbClr r="0" g="0" b="0"/>
-            </a:lnRef>
-            <a:fillRef idx="0">
-              <a:scrgbClr r="0" g="0" b="0"/>
-            </a:fillRef>
-            <a:effectRef idx="0">
-              <a:scrgbClr r="0" g="0" b="0"/>
-            </a:effectRef>
-            <a:fontRef idx="minor"/>
-          </p:style>
-          <p:txBody>
-            <a:bodyPr wrap="none" lIns="90000" tIns="45000" rIns="90000" bIns="45000"/>
-            <a:lstStyle/>
-            <a:p>
-              <a:pPr algn="ctr">
-                <a:lnSpc>
-                  <a:spcPct val="100000"/>
-                </a:lnSpc>
-                <a:spcBef>
-                  <a:spcPts val="641"/>
-                </a:spcBef>
-              </a:pPr>
-              <a:r>
-                <a:rPr lang="en-US" sz="3200" b="1" strike="noStrike" spc="-1">
-                  <a:solidFill>
-                    <a:srgbClr val="07233C"/>
-                  </a:solidFill>
-                  <a:latin typeface="HY신명조"/>
-                  <a:ea typeface="HY신명조"/>
-                </a:rPr>
-                <a:t>2</a:t>
-              </a:r>
-              <a:endParaRPr lang="en-US" sz="3200" b="0" strike="noStrike" spc="-1">
-                <a:latin typeface="굴림"/>
-              </a:endParaRPr>
-            </a:p>
-          </p:txBody>
-        </p:sp>
-      </p:grpSp>
-      <p:grpSp>
-        <p:nvGrpSpPr>
-          <p:cNvPr id="341" name="Group 9"/>
-          <p:cNvGrpSpPr/>
-          <p:nvPr/>
-        </p:nvGrpSpPr>
-        <p:grpSpPr>
-          <a:xfrm>
-            <a:off x="627120" y="1117080"/>
-            <a:ext cx="2109600" cy="2685486"/>
-            <a:chOff x="627120" y="1117080"/>
-            <a:chExt cx="2109600" cy="4448520"/>
-          </a:xfrm>
-        </p:grpSpPr>
-        <p:sp>
-          <p:nvSpPr>
-            <p:cNvPr id="342" name="CustomShape 10"/>
-            <p:cNvSpPr/>
-            <p:nvPr/>
-          </p:nvSpPr>
-          <p:spPr>
-            <a:xfrm>
-              <a:off x="843120" y="1995840"/>
-              <a:ext cx="1892520" cy="2796480"/>
-            </a:xfrm>
-            <a:prstGeom prst="rect">
-              <a:avLst/>
-            </a:prstGeom>
-            <a:noFill/>
-            <a:ln>
-              <a:noFill/>
-            </a:ln>
-          </p:spPr>
-          <p:style>
-            <a:lnRef idx="0">
-              <a:scrgbClr r="0" g="0" b="0"/>
-            </a:lnRef>
-            <a:fillRef idx="0">
-              <a:scrgbClr r="0" g="0" b="0"/>
-            </a:fillRef>
-            <a:effectRef idx="0">
-              <a:scrgbClr r="0" g="0" b="0"/>
-            </a:effectRef>
-            <a:fontRef idx="minor"/>
-          </p:style>
-          <p:txBody>
-            <a:bodyPr lIns="0" tIns="45000" rIns="0" bIns="45000"/>
-            <a:lstStyle/>
-            <a:p>
-              <a:pPr marL="180000" indent="-179640">
-                <a:lnSpc>
-                  <a:spcPct val="80000"/>
-                </a:lnSpc>
-                <a:spcAft>
-                  <a:spcPts val="601"/>
-                </a:spcAft>
-                <a:buClr>
-                  <a:srgbClr val="EA2461"/>
-                </a:buClr>
-                <a:buFont typeface="Wingdings 2" charset="2"/>
-                <a:buChar char=""/>
-              </a:pPr>
-              <a:r>
-                <a:rPr lang="en-US" sz="1400" b="0" strike="noStrike" spc="-1" dirty="0" err="1">
-                  <a:solidFill>
-                    <a:srgbClr val="000000"/>
-                  </a:solidFill>
-                  <a:latin typeface="HY신명체"/>
-                  <a:ea typeface="HY신명체"/>
-                </a:rPr>
-                <a:t>음성인식의</a:t>
-              </a:r>
-              <a:r>
-                <a:rPr lang="en-US" sz="1400" b="0" strike="noStrike" spc="-1" dirty="0">
-                  <a:solidFill>
-                    <a:srgbClr val="000000"/>
-                  </a:solidFill>
-                  <a:latin typeface="HY신명체"/>
-                  <a:ea typeface="HY신명체"/>
-                </a:rPr>
-                <a:t> </a:t>
-              </a:r>
-              <a:r>
-                <a:rPr lang="en-US" sz="1400" b="0" strike="noStrike" spc="-1" dirty="0" err="1">
-                  <a:solidFill>
-                    <a:srgbClr val="000000"/>
-                  </a:solidFill>
-                  <a:latin typeface="HY신명체"/>
-                  <a:ea typeface="HY신명체"/>
-                </a:rPr>
-                <a:t>경우</a:t>
-              </a:r>
-              <a:r>
-                <a:rPr lang="en-US" sz="1400" b="0" strike="noStrike" spc="-1" dirty="0">
-                  <a:solidFill>
-                    <a:srgbClr val="000000"/>
-                  </a:solidFill>
-                  <a:latin typeface="HY신명체"/>
-                  <a:ea typeface="HY신명체"/>
-                </a:rPr>
-                <a:t> </a:t>
-              </a:r>
-              <a:r>
-                <a:rPr lang="en-US" sz="1400" b="0" strike="noStrike" spc="-1" dirty="0" err="1">
-                  <a:solidFill>
-                    <a:srgbClr val="000000"/>
-                  </a:solidFill>
-                  <a:latin typeface="HY신명체"/>
-                  <a:ea typeface="HY신명체"/>
-                </a:rPr>
-                <a:t>만드는</a:t>
-              </a:r>
-              <a:r>
-                <a:rPr lang="en-US" sz="1400" b="0" strike="noStrike" spc="-1" dirty="0">
-                  <a:solidFill>
-                    <a:srgbClr val="000000"/>
-                  </a:solidFill>
-                  <a:latin typeface="HY신명체"/>
-                  <a:ea typeface="HY신명체"/>
-                </a:rPr>
-                <a:t> </a:t>
-              </a:r>
-              <a:r>
-                <a:rPr lang="en-US" sz="1400" b="0" strike="noStrike" spc="-1" dirty="0" err="1">
-                  <a:solidFill>
-                    <a:srgbClr val="000000"/>
-                  </a:solidFill>
-                  <a:latin typeface="HY신명체"/>
-                  <a:ea typeface="HY신명체"/>
-                </a:rPr>
-                <a:t>제품에</a:t>
-              </a:r>
-              <a:r>
-                <a:rPr lang="en-US" sz="1400" b="0" strike="noStrike" spc="-1" dirty="0">
-                  <a:solidFill>
-                    <a:srgbClr val="000000"/>
-                  </a:solidFill>
-                  <a:latin typeface="HY신명체"/>
-                  <a:ea typeface="HY신명체"/>
-                </a:rPr>
-                <a:t> </a:t>
-              </a:r>
-              <a:r>
-                <a:rPr lang="en-US" sz="1400" b="0" strike="noStrike" spc="-1" dirty="0" err="1">
-                  <a:solidFill>
-                    <a:srgbClr val="000000"/>
-                  </a:solidFill>
-                  <a:latin typeface="HY신명체"/>
-                  <a:ea typeface="HY신명체"/>
-                </a:rPr>
-                <a:t>센서를</a:t>
-              </a:r>
-              <a:r>
-                <a:rPr lang="en-US" sz="1400" b="0" strike="noStrike" spc="-1" dirty="0">
-                  <a:solidFill>
-                    <a:srgbClr val="000000"/>
-                  </a:solidFill>
-                  <a:latin typeface="HY신명체"/>
-                  <a:ea typeface="HY신명체"/>
-                </a:rPr>
-                <a:t> </a:t>
-              </a:r>
-              <a:r>
-                <a:rPr lang="en-US" sz="1400" b="0" strike="noStrike" spc="-1" dirty="0" err="1">
-                  <a:solidFill>
-                    <a:srgbClr val="000000"/>
-                  </a:solidFill>
-                  <a:latin typeface="HY신명체"/>
-                  <a:ea typeface="HY신명체"/>
-                </a:rPr>
-                <a:t>부착하여</a:t>
-              </a:r>
-              <a:r>
-                <a:rPr lang="en-US" sz="1400" b="0" strike="noStrike" spc="-1" dirty="0">
-                  <a:solidFill>
-                    <a:srgbClr val="000000"/>
-                  </a:solidFill>
-                  <a:latin typeface="HY신명체"/>
-                  <a:ea typeface="HY신명체"/>
-                </a:rPr>
-                <a:t> </a:t>
-              </a:r>
-              <a:r>
-                <a:rPr lang="en-US" sz="1400" b="0" strike="noStrike" spc="-1" dirty="0" err="1">
-                  <a:solidFill>
-                    <a:srgbClr val="000000"/>
-                  </a:solidFill>
-                  <a:latin typeface="HY신명체"/>
-                  <a:ea typeface="HY신명체"/>
-                </a:rPr>
-                <a:t>음성</a:t>
-              </a:r>
-              <a:r>
-                <a:rPr lang="en-US" sz="1400" b="0" strike="noStrike" spc="-1" dirty="0">
-                  <a:solidFill>
-                    <a:srgbClr val="000000"/>
-                  </a:solidFill>
-                  <a:latin typeface="HY신명체"/>
-                  <a:ea typeface="HY신명체"/>
-                </a:rPr>
-                <a:t> </a:t>
-              </a:r>
-              <a:r>
-                <a:rPr lang="en-US" sz="1400" b="0" strike="noStrike" spc="-1" dirty="0" err="1">
-                  <a:solidFill>
-                    <a:srgbClr val="000000"/>
-                  </a:solidFill>
-                  <a:latin typeface="HY신명체"/>
-                  <a:ea typeface="HY신명체"/>
-                </a:rPr>
-                <a:t>인식을</a:t>
-              </a:r>
-              <a:r>
-                <a:rPr lang="en-US" sz="1400" b="0" strike="noStrike" spc="-1" dirty="0">
-                  <a:solidFill>
-                    <a:srgbClr val="000000"/>
-                  </a:solidFill>
-                  <a:latin typeface="HY신명체"/>
-                  <a:ea typeface="HY신명체"/>
-                </a:rPr>
-                <a:t> </a:t>
-              </a:r>
-              <a:r>
-                <a:rPr lang="en-US" sz="1400" b="0" strike="noStrike" spc="-1" dirty="0" err="1">
-                  <a:solidFill>
-                    <a:srgbClr val="000000"/>
-                  </a:solidFill>
-                  <a:latin typeface="HY신명체"/>
-                  <a:ea typeface="HY신명체"/>
-                </a:rPr>
-                <a:t>받는다</a:t>
-              </a:r>
-              <a:r>
-                <a:rPr lang="en-US" sz="1400" b="0" strike="noStrike" spc="-1" dirty="0">
-                  <a:solidFill>
-                    <a:srgbClr val="000000"/>
-                  </a:solidFill>
-                  <a:latin typeface="HY신명체"/>
-                  <a:ea typeface="HY신명체"/>
-                </a:rPr>
-                <a:t>.</a:t>
-              </a:r>
-              <a:endParaRPr lang="en-US" sz="1400" b="0" strike="noStrike" spc="-1" dirty="0">
-                <a:latin typeface="굴림"/>
-              </a:endParaRPr>
-            </a:p>
-            <a:p>
-              <a:pPr marL="179280" indent="-178560">
-                <a:lnSpc>
-                  <a:spcPct val="80000"/>
-                </a:lnSpc>
-                <a:spcAft>
-                  <a:spcPts val="601"/>
-                </a:spcAft>
-                <a:buClr>
-                  <a:srgbClr val="EA2461"/>
-                </a:buClr>
-                <a:buFont typeface="Wingdings 2" charset="2"/>
-                <a:buChar char=""/>
-              </a:pPr>
-              <a:r>
-                <a:rPr lang="en-US" sz="1400" b="0" strike="noStrike" spc="-1" dirty="0" err="1">
-                  <a:solidFill>
-                    <a:srgbClr val="000000"/>
-                  </a:solidFill>
-                  <a:latin typeface="HY신명체"/>
-                  <a:ea typeface="HY신명체"/>
-                </a:rPr>
-                <a:t>인식의</a:t>
-              </a:r>
-              <a:r>
-                <a:rPr lang="en-US" sz="1400" b="0" strike="noStrike" spc="-1" dirty="0">
-                  <a:solidFill>
-                    <a:srgbClr val="000000"/>
-                  </a:solidFill>
-                  <a:latin typeface="HY신명체"/>
-                  <a:ea typeface="HY신명체"/>
-                </a:rPr>
-                <a:t> </a:t>
-              </a:r>
-              <a:r>
-                <a:rPr lang="en-US" sz="1400" b="0" strike="noStrike" spc="-1" dirty="0" err="1">
-                  <a:solidFill>
-                    <a:srgbClr val="000000"/>
-                  </a:solidFill>
-                  <a:latin typeface="HY신명체"/>
-                  <a:ea typeface="HY신명체"/>
-                </a:rPr>
-                <a:t>경우</a:t>
-              </a:r>
-              <a:r>
-                <a:rPr lang="en-US" sz="1400" b="0" strike="noStrike" spc="-1" dirty="0">
-                  <a:solidFill>
-                    <a:srgbClr val="000000"/>
-                  </a:solidFill>
-                  <a:latin typeface="HY신명체"/>
-                  <a:ea typeface="HY신명체"/>
-                </a:rPr>
-                <a:t> </a:t>
-              </a:r>
-              <a:r>
-                <a:rPr lang="en-US" sz="1400" b="0" strike="noStrike" spc="-1" dirty="0" err="1">
-                  <a:solidFill>
-                    <a:srgbClr val="000000"/>
-                  </a:solidFill>
-                  <a:latin typeface="HY신명체"/>
-                  <a:ea typeface="HY신명체"/>
-                </a:rPr>
-                <a:t>라즈베리파이를</a:t>
-              </a:r>
-              <a:r>
-                <a:rPr lang="en-US" sz="1400" b="0" strike="noStrike" spc="-1" dirty="0">
-                  <a:solidFill>
-                    <a:srgbClr val="000000"/>
-                  </a:solidFill>
-                  <a:latin typeface="HY신명체"/>
-                  <a:ea typeface="HY신명체"/>
-                </a:rPr>
-                <a:t> </a:t>
-              </a:r>
-              <a:r>
-                <a:rPr lang="en-US" sz="1400" b="0" strike="noStrike" spc="-1" dirty="0" err="1">
-                  <a:solidFill>
-                    <a:srgbClr val="000000"/>
-                  </a:solidFill>
-                  <a:latin typeface="HY신명체"/>
-                  <a:ea typeface="HY신명체"/>
-                </a:rPr>
-                <a:t>이용하여</a:t>
-              </a:r>
-              <a:r>
-                <a:rPr lang="en-US" sz="1400" b="0" strike="noStrike" spc="-1" dirty="0">
-                  <a:solidFill>
-                    <a:srgbClr val="000000"/>
-                  </a:solidFill>
-                  <a:latin typeface="HY신명체"/>
-                  <a:ea typeface="HY신명체"/>
-                </a:rPr>
-                <a:t> </a:t>
-              </a:r>
-              <a:r>
-                <a:rPr lang="en-US" sz="1400" b="0" strike="noStrike" spc="-1" dirty="0" err="1">
-                  <a:solidFill>
-                    <a:srgbClr val="000000"/>
-                  </a:solidFill>
-                  <a:latin typeface="HY신명체"/>
-                  <a:ea typeface="HY신명체"/>
-                </a:rPr>
-                <a:t>음성을</a:t>
-              </a:r>
-              <a:r>
-                <a:rPr lang="en-US" sz="1400" b="0" strike="noStrike" spc="-1" dirty="0">
-                  <a:solidFill>
-                    <a:srgbClr val="000000"/>
-                  </a:solidFill>
-                  <a:latin typeface="HY신명체"/>
-                  <a:ea typeface="HY신명체"/>
-                </a:rPr>
-                <a:t> </a:t>
-              </a:r>
-              <a:r>
-                <a:rPr lang="en-US" sz="1400" b="0" strike="noStrike" spc="-1" dirty="0" err="1">
-                  <a:solidFill>
-                    <a:srgbClr val="000000"/>
-                  </a:solidFill>
-                  <a:latin typeface="HY신명체"/>
-                  <a:ea typeface="HY신명체"/>
-                </a:rPr>
-                <a:t>분석하여</a:t>
-              </a:r>
-              <a:r>
-                <a:rPr lang="en-US" sz="1400" b="0" strike="noStrike" spc="-1" dirty="0">
-                  <a:solidFill>
-                    <a:srgbClr val="000000"/>
-                  </a:solidFill>
-                  <a:latin typeface="HY신명체"/>
-                  <a:ea typeface="HY신명체"/>
-                </a:rPr>
-                <a:t> </a:t>
-              </a:r>
-              <a:r>
-                <a:rPr lang="en-US" sz="1400" b="0" strike="noStrike" spc="-1" dirty="0" err="1">
-                  <a:solidFill>
-                    <a:srgbClr val="000000"/>
-                  </a:solidFill>
-                  <a:latin typeface="HY신명체"/>
-                  <a:ea typeface="HY신명체"/>
-                </a:rPr>
-                <a:t>문자</a:t>
-              </a:r>
-              <a:r>
-                <a:rPr lang="en-US" sz="1400" b="0" strike="noStrike" spc="-1" dirty="0">
-                  <a:solidFill>
-                    <a:srgbClr val="000000"/>
-                  </a:solidFill>
-                  <a:latin typeface="HY신명체"/>
-                  <a:ea typeface="HY신명체"/>
-                </a:rPr>
-                <a:t> </a:t>
-              </a:r>
-              <a:r>
-                <a:rPr lang="en-US" sz="1400" b="0" strike="noStrike" spc="-1" dirty="0" err="1">
-                  <a:solidFill>
-                    <a:srgbClr val="000000"/>
-                  </a:solidFill>
-                  <a:latin typeface="HY신명체"/>
-                  <a:ea typeface="HY신명체"/>
-                </a:rPr>
-                <a:t>데이터로</a:t>
-              </a:r>
-              <a:r>
-                <a:rPr lang="en-US" sz="1400" b="0" strike="noStrike" spc="-1" dirty="0">
-                  <a:solidFill>
-                    <a:srgbClr val="000000"/>
-                  </a:solidFill>
-                  <a:latin typeface="HY신명체"/>
-                  <a:ea typeface="HY신명체"/>
-                </a:rPr>
-                <a:t> </a:t>
-              </a:r>
-              <a:r>
-                <a:rPr lang="en-US" sz="1400" b="0" strike="noStrike" spc="-1" dirty="0" err="1">
-                  <a:solidFill>
-                    <a:srgbClr val="000000"/>
-                  </a:solidFill>
-                  <a:latin typeface="HY신명체"/>
-                  <a:ea typeface="HY신명체"/>
-                </a:rPr>
-                <a:t>변환하는</a:t>
-              </a:r>
-              <a:r>
-                <a:rPr lang="en-US" sz="1400" b="0" strike="noStrike" spc="-1" dirty="0">
-                  <a:solidFill>
-                    <a:srgbClr val="000000"/>
-                  </a:solidFill>
-                  <a:latin typeface="HY신명체"/>
-                  <a:ea typeface="HY신명체"/>
-                </a:rPr>
-                <a:t> </a:t>
-              </a:r>
-              <a:r>
-                <a:rPr lang="en-US" sz="1400" b="0" strike="noStrike" spc="-1" dirty="0" err="1">
-                  <a:solidFill>
-                    <a:srgbClr val="000000"/>
-                  </a:solidFill>
-                  <a:latin typeface="HY신명체"/>
-                  <a:ea typeface="HY신명체"/>
-                </a:rPr>
-                <a:t>기술을</a:t>
-              </a:r>
-              <a:r>
-                <a:rPr lang="en-US" sz="1400" b="0" strike="noStrike" spc="-1" dirty="0">
-                  <a:solidFill>
-                    <a:srgbClr val="000000"/>
-                  </a:solidFill>
-                  <a:latin typeface="HY신명체"/>
-                  <a:ea typeface="HY신명체"/>
-                </a:rPr>
-                <a:t> </a:t>
-              </a:r>
-              <a:r>
-                <a:rPr lang="en-US" sz="1400" b="0" strike="noStrike" spc="-1" dirty="0" err="1">
-                  <a:solidFill>
-                    <a:srgbClr val="000000"/>
-                  </a:solidFill>
-                  <a:latin typeface="HY신명체"/>
-                  <a:ea typeface="HY신명체"/>
-                </a:rPr>
-                <a:t>사용한다</a:t>
-              </a:r>
-              <a:r>
-                <a:rPr lang="en-US" sz="1400" b="0" strike="noStrike" spc="-1" dirty="0">
-                  <a:solidFill>
-                    <a:srgbClr val="000000"/>
-                  </a:solidFill>
-                  <a:latin typeface="HY신명체"/>
-                  <a:ea typeface="HY신명체"/>
-                </a:rPr>
-                <a:t>.</a:t>
-              </a:r>
-              <a:endParaRPr lang="en-US" sz="1400" b="0" strike="noStrike" spc="-1" dirty="0">
-                <a:latin typeface="굴림"/>
-              </a:endParaRPr>
-            </a:p>
-          </p:txBody>
-        </p:sp>
-        <p:sp>
-          <p:nvSpPr>
-            <p:cNvPr id="343" name="CustomShape 11"/>
-            <p:cNvSpPr/>
-            <p:nvPr/>
-          </p:nvSpPr>
-          <p:spPr>
-            <a:xfrm>
-              <a:off x="751320" y="1343880"/>
-              <a:ext cx="1985400" cy="563040"/>
-            </a:xfrm>
-            <a:prstGeom prst="rect">
-              <a:avLst/>
-            </a:prstGeom>
-            <a:solidFill>
-              <a:schemeClr val="accent5">
-                <a:lumMod val="50000"/>
-              </a:schemeClr>
-            </a:solidFill>
-            <a:ln w="19080">
-              <a:noFill/>
-            </a:ln>
-          </p:spPr>
-          <p:style>
-            <a:lnRef idx="0">
-              <a:scrgbClr r="0" g="0" b="0"/>
-            </a:lnRef>
-            <a:fillRef idx="0">
-              <a:scrgbClr r="0" g="0" b="0"/>
-            </a:fillRef>
-            <a:effectRef idx="0">
-              <a:scrgbClr r="0" g="0" b="0"/>
-            </a:effectRef>
-            <a:fontRef idx="minor"/>
-          </p:style>
-          <p:txBody>
-            <a:bodyPr wrap="none" lIns="0" tIns="0" rIns="0" bIns="0" anchor="ctr"/>
-            <a:lstStyle/>
-            <a:p>
-              <a:pPr algn="ctr">
-                <a:lnSpc>
-                  <a:spcPct val="80000"/>
-                </a:lnSpc>
-              </a:pPr>
-              <a:r>
-                <a:rPr lang="en-US" sz="1400" b="1" strike="noStrike" spc="-52">
-                  <a:solidFill>
-                    <a:srgbClr val="FFFFFF"/>
-                  </a:solidFill>
-                  <a:latin typeface="HY신명조"/>
-                  <a:ea typeface="HY신명조"/>
-                </a:rPr>
-                <a:t>음성인식</a:t>
-              </a:r>
-              <a:endParaRPr lang="en-US" sz="1400" b="0" strike="noStrike" spc="-1">
-                <a:latin typeface="굴림"/>
-              </a:endParaRPr>
-            </a:p>
-          </p:txBody>
-        </p:sp>
-        <p:sp>
-          <p:nvSpPr>
-            <p:cNvPr id="344" name="CustomShape 12"/>
-            <p:cNvSpPr/>
-            <p:nvPr/>
-          </p:nvSpPr>
-          <p:spPr>
-            <a:xfrm>
-              <a:off x="751320" y="5516280"/>
-              <a:ext cx="1985400" cy="49320"/>
-            </a:xfrm>
-            <a:prstGeom prst="rect">
-              <a:avLst/>
-            </a:prstGeom>
-            <a:solidFill>
-              <a:schemeClr val="accent5">
-                <a:lumMod val="50000"/>
-              </a:schemeClr>
-            </a:solidFill>
-            <a:ln w="19080">
-              <a:noFill/>
-            </a:ln>
-          </p:spPr>
-          <p:style>
-            <a:lnRef idx="0">
-              <a:scrgbClr r="0" g="0" b="0"/>
-            </a:lnRef>
-            <a:fillRef idx="0">
-              <a:scrgbClr r="0" g="0" b="0"/>
-            </a:fillRef>
-            <a:effectRef idx="0">
-              <a:scrgbClr r="0" g="0" b="0"/>
-            </a:effectRef>
-            <a:fontRef idx="minor"/>
-          </p:style>
-        </p:sp>
-        <p:sp>
-          <p:nvSpPr>
-            <p:cNvPr id="345" name="CustomShape 13"/>
-            <p:cNvSpPr/>
-            <p:nvPr/>
-          </p:nvSpPr>
-          <p:spPr>
-            <a:xfrm rot="5400000">
-              <a:off x="699480" y="1316520"/>
-              <a:ext cx="394560" cy="367200"/>
-            </a:xfrm>
-            <a:prstGeom prst="rtTriangle">
-              <a:avLst/>
-            </a:prstGeom>
-            <a:solidFill>
-              <a:schemeClr val="bg1"/>
-            </a:solidFill>
-            <a:ln>
-              <a:noFill/>
-            </a:ln>
-          </p:spPr>
-          <p:style>
-            <a:lnRef idx="2">
-              <a:schemeClr val="accent1">
-                <a:shade val="50000"/>
-              </a:schemeClr>
-            </a:lnRef>
-            <a:fillRef idx="1">
-              <a:schemeClr val="accent1"/>
-            </a:fillRef>
-            <a:effectRef idx="0">
-              <a:schemeClr val="accent1"/>
-            </a:effectRef>
-            <a:fontRef idx="minor"/>
-          </p:style>
-        </p:sp>
-        <p:sp>
-          <p:nvSpPr>
-            <p:cNvPr id="346" name="Line 14"/>
-            <p:cNvSpPr/>
-            <p:nvPr/>
-          </p:nvSpPr>
-          <p:spPr>
-            <a:xfrm flipV="1">
-              <a:off x="712080" y="1302840"/>
-              <a:ext cx="367560" cy="395280"/>
-            </a:xfrm>
-            <a:prstGeom prst="line">
-              <a:avLst/>
-            </a:prstGeom>
-            <a:ln>
-              <a:solidFill>
-                <a:schemeClr val="accent5">
-                  <a:lumMod val="50000"/>
-                </a:schemeClr>
-              </a:solidFill>
-              <a:round/>
-            </a:ln>
-          </p:spPr>
-          <p:style>
-            <a:lnRef idx="1">
-              <a:schemeClr val="accent1"/>
-            </a:lnRef>
-            <a:fillRef idx="0">
-              <a:schemeClr val="accent1"/>
-            </a:fillRef>
-            <a:effectRef idx="0">
-              <a:schemeClr val="accent1"/>
-            </a:effectRef>
-            <a:fontRef idx="minor"/>
-          </p:style>
-        </p:sp>
-        <p:sp>
-          <p:nvSpPr>
-            <p:cNvPr id="347" name="CustomShape 15"/>
-            <p:cNvSpPr/>
-            <p:nvPr/>
-          </p:nvSpPr>
-          <p:spPr>
-            <a:xfrm>
-              <a:off x="627120" y="1117080"/>
-              <a:ext cx="423000" cy="577440"/>
-            </a:xfrm>
-            <a:prstGeom prst="rect">
-              <a:avLst/>
-            </a:prstGeom>
-            <a:noFill/>
-            <a:ln>
-              <a:noFill/>
-            </a:ln>
-          </p:spPr>
-          <p:style>
-            <a:lnRef idx="0">
-              <a:scrgbClr r="0" g="0" b="0"/>
-            </a:lnRef>
-            <a:fillRef idx="0">
-              <a:scrgbClr r="0" g="0" b="0"/>
-            </a:fillRef>
-            <a:effectRef idx="0">
-              <a:scrgbClr r="0" g="0" b="0"/>
-            </a:effectRef>
-            <a:fontRef idx="minor"/>
-          </p:style>
-          <p:txBody>
-            <a:bodyPr wrap="none" lIns="90000" tIns="45000" rIns="90000" bIns="45000"/>
-            <a:lstStyle/>
-            <a:p>
-              <a:pPr algn="ctr">
-                <a:lnSpc>
-                  <a:spcPct val="100000"/>
-                </a:lnSpc>
-                <a:spcBef>
-                  <a:spcPts val="641"/>
-                </a:spcBef>
-              </a:pPr>
-              <a:r>
-                <a:rPr lang="en-US" sz="3200" b="1" strike="noStrike" spc="-1">
-                  <a:solidFill>
-                    <a:srgbClr val="07233C"/>
-                  </a:solidFill>
-                  <a:latin typeface="HY신명조"/>
-                  <a:ea typeface="HY신명조"/>
-                </a:rPr>
-                <a:t>1</a:t>
-              </a:r>
-              <a:endParaRPr lang="en-US" sz="3200" b="0" strike="noStrike" spc="-1">
-                <a:latin typeface="굴림"/>
-              </a:endParaRPr>
-            </a:p>
-          </p:txBody>
-        </p:sp>
       </p:grpSp>
       <p:grpSp>
         <p:nvGrpSpPr>
@@ -19148,10 +18431,10 @@
         </p:nvGrpSpPr>
         <p:grpSpPr>
           <a:xfrm>
-            <a:off x="6371640" y="1302773"/>
-            <a:ext cx="2026440" cy="2499794"/>
-            <a:chOff x="6354720" y="1445400"/>
-            <a:chExt cx="2026440" cy="4098240"/>
+            <a:off x="6371640" y="1302663"/>
+            <a:ext cx="2026440" cy="2499903"/>
+            <a:chOff x="6354720" y="1445220"/>
+            <a:chExt cx="2026440" cy="4098420"/>
           </a:xfrm>
         </p:grpSpPr>
         <p:sp>
@@ -19226,7 +18509,47 @@
                   <a:latin typeface="HY신명조"/>
                   <a:ea typeface="HY신명조"/>
                 </a:rPr>
-                <a:t>기상청에서 실시간으로 업데이트 되는 정보를 받아와 </a:t>
+                <a:t>기상청에서 실시간으로 업데이트 되는 </a:t>
+              </a:r>
+              <a:r>
+                <a:rPr lang="ko-KR" altLang="en-US" sz="1400" b="0" strike="noStrike" spc="-1" dirty="0" smtClean="0">
+                  <a:solidFill>
+                    <a:srgbClr val="000000"/>
+                  </a:solidFill>
+                  <a:latin typeface="HY신명조"/>
+                  <a:ea typeface="HY신명조"/>
+                </a:rPr>
+                <a:t>정보</a:t>
+              </a:r>
+              <a:r>
+                <a:rPr lang="en-US" altLang="ko-KR" sz="1400" b="0" strike="noStrike" spc="-1" dirty="0" smtClean="0">
+                  <a:solidFill>
+                    <a:srgbClr val="000000"/>
+                  </a:solidFill>
+                  <a:latin typeface="HY신명조"/>
+                  <a:ea typeface="HY신명조"/>
+                </a:rPr>
+                <a:t>(http://www.weather.go.kr/weather/main.jsp)</a:t>
+              </a:r>
+              <a:r>
+                <a:rPr lang="ko-KR" altLang="en-US" sz="1400" b="0" strike="noStrike" spc="-1" dirty="0" smtClean="0">
+                  <a:solidFill>
+                    <a:srgbClr val="000000"/>
+                  </a:solidFill>
+                  <a:latin typeface="HY신명조"/>
+                  <a:ea typeface="HY신명조"/>
+                </a:rPr>
+                <a:t>를 </a:t>
+              </a:r>
+              <a:r>
+                <a:rPr lang="ko-KR" altLang="en-US" sz="1400" b="0" strike="noStrike" spc="-1" dirty="0" smtClean="0">
+                  <a:solidFill>
+                    <a:srgbClr val="000000"/>
+                  </a:solidFill>
+                  <a:latin typeface="HY신명조"/>
+                  <a:ea typeface="HY신명조"/>
+                </a:rPr>
+                <a:t>받아와 </a:t>
               </a:r>
               <a:r>
                 <a:rPr lang="ko-KR" altLang="en-US" sz="1400" spc="-1" dirty="0" smtClean="0">
@@ -19415,65 +18738,6 @@
       </p:grpSp>
       <p:sp>
         <p:nvSpPr>
-          <p:cNvPr id="354" name="CustomShape 22"/>
-          <p:cNvSpPr/>
-          <p:nvPr/>
-        </p:nvSpPr>
-        <p:spPr>
-          <a:xfrm>
-            <a:off x="6240420" y="1117080"/>
-            <a:ext cx="423000" cy="576720"/>
-          </a:xfrm>
-          <a:prstGeom prst="rect">
-            <a:avLst/>
-          </a:prstGeom>
-          <a:noFill/>
-          <a:ln>
-            <a:noFill/>
-          </a:ln>
-        </p:spPr>
-        <p:style>
-          <a:lnRef idx="0">
-            <a:scrgbClr r="0" g="0" b="0"/>
-          </a:lnRef>
-          <a:fillRef idx="0">
-            <a:scrgbClr r="0" g="0" b="0"/>
-          </a:fillRef>
-          <a:effectRef idx="0">
-            <a:scrgbClr r="0" g="0" b="0"/>
-          </a:effectRef>
-          <a:fontRef idx="minor"/>
-        </p:style>
-        <p:txBody>
-          <a:bodyPr wrap="none" lIns="90000" tIns="45000" rIns="90000" bIns="45000"/>
-          <a:lstStyle/>
-          <a:p>
-            <a:pPr algn="ctr">
-              <a:lnSpc>
-                <a:spcPct val="100000"/>
-              </a:lnSpc>
-              <a:spcBef>
-                <a:spcPts val="641"/>
-              </a:spcBef>
-            </a:pPr>
-            <a:r>
-              <a:rPr lang="en-US" sz="3200" b="1" strike="noStrike" spc="-1" dirty="0">
-                <a:solidFill>
-                  <a:srgbClr val="07233C"/>
-                </a:solidFill>
-                <a:latin typeface="HY신명조"/>
-                <a:ea typeface="HY신명조"/>
-              </a:rPr>
-              <a:t>3</a:t>
-            </a:r>
-            <a:endParaRPr lang="en-US" sz="3200" b="0" strike="noStrike" spc="-1" dirty="0">
-              <a:latin typeface="굴림"/>
-            </a:endParaRPr>
-          </a:p>
-        </p:txBody>
-      </p:sp>
-      <p:sp>
-        <p:nvSpPr>
           <p:cNvPr id="355" name="CustomShape 23"/>
           <p:cNvSpPr/>
           <p:nvPr/>
@@ -19673,7 +18937,7 @@
         </p:nvGrpSpPr>
         <p:grpSpPr>
           <a:xfrm>
-            <a:off x="627120" y="4055874"/>
+            <a:off x="783360" y="1171590"/>
             <a:ext cx="2109600" cy="2685486"/>
             <a:chOff x="627120" y="1117080"/>
             <a:chExt cx="2109600" cy="4448520"/>
@@ -19728,40 +18992,16 @@
                 <a:buChar char=""/>
               </a:pPr>
               <a:r>
-                <a:rPr lang="ko-KR" altLang="en-US" sz="1400" b="0" strike="noStrike" spc="-1" dirty="0" err="1" smtClean="0">
+                <a:rPr lang="ko-KR" altLang="en-US" sz="1400" spc="-1" dirty="0" smtClean="0">
                   <a:latin typeface="굴림"/>
                 </a:rPr>
-                <a:t>라즈베리파이에</a:t>
+                <a:t>사용자가 </a:t>
               </a:r>
-              <a:r>
-                <a:rPr lang="ko-KR" altLang="en-US" sz="1400" b="0" strike="noStrike" spc="-1" dirty="0" smtClean="0">
-                  <a:latin typeface="굴림"/>
-                </a:rPr>
-                <a:t> 주간 일정표 파일을 만들어 화면에 출력한다</a:t>
-              </a:r>
-              <a:endParaRPr lang="en-US" altLang="ko-KR" sz="1400" b="0" strike="noStrike" spc="-1" dirty="0" smtClean="0">
-                <a:latin typeface="굴림"/>
-              </a:endParaRPr>
-            </a:p>
-            <a:p>
-              <a:pPr marL="180000" indent="-179640">
-                <a:lnSpc>
-                  <a:spcPct val="80000"/>
-                </a:lnSpc>
-                <a:spcAft>
-                  <a:spcPts val="601"/>
-                </a:spcAft>
-                <a:buClr>
-                  <a:srgbClr val="EA2461"/>
-                </a:buClr>
-                <a:buFont typeface="Wingdings 2" charset="2"/>
-                <a:buChar char=""/>
-              </a:pPr>
               <a:r>
                 <a:rPr lang="ko-KR" altLang="en-US" sz="1400" spc="-1" dirty="0" smtClean="0">
                   <a:latin typeface="굴림"/>
                 </a:rPr>
-                <a:t>사용자가 설정해 놓은 시간에 맞춰 </a:t>
+                <a:t>설정해 놓은 시간에 맞춰 </a:t>
               </a:r>
               <a:r>
                 <a:rPr lang="ko-KR" altLang="en-US" sz="1400" spc="-1" dirty="0" err="1" smtClean="0">
@@ -19838,16 +19078,6 @@
                 </a:lnSpc>
               </a:pPr>
               <a:r>
-                <a:rPr lang="ko-KR" altLang="en-US" sz="1400" b="1" spc="-52" dirty="0" smtClean="0">
-                  <a:solidFill>
-                    <a:srgbClr val="FFFFFF"/>
-                  </a:solidFill>
-                  <a:latin typeface="HY신명조"/>
-                  <a:ea typeface="HY신명조"/>
-                </a:rPr>
-                <a:t>스케줄러 </a:t>
-              </a:r>
-              <a:r>
                 <a:rPr lang="en-US" altLang="ko-KR" sz="1400" b="1" spc="-52" dirty="0" smtClean="0">
                   <a:solidFill>
                     <a:srgbClr val="FFFFFF"/>
@@ -19855,7 +19085,7 @@
                   <a:latin typeface="HY신명조"/>
                   <a:ea typeface="HY신명조"/>
                 </a:rPr>
-                <a:t>&amp; </a:t>
+                <a:t> </a:t>
               </a:r>
               <a:r>
                 <a:rPr lang="ko-KR" altLang="en-US" sz="1400" b="1" spc="-52" dirty="0" err="1" smtClean="0">
@@ -20024,16 +19254,6 @@
                   <a:spcPts val="641"/>
                 </a:spcBef>
               </a:pPr>
-              <a:r>
-                <a:rPr lang="en-US" sz="3200" b="1" spc="-1" dirty="0">
-                  <a:solidFill>
-                    <a:srgbClr val="07233C"/>
-                  </a:solidFill>
-                  <a:latin typeface="HY신명조"/>
-                  <a:ea typeface="HY신명조"/>
-                </a:rPr>
-                <a:t>4</a:t>
-              </a:r>
               <a:endParaRPr lang="en-US" sz="3200" b="0" strike="noStrike" spc="-1" dirty="0">
                 <a:latin typeface="굴림"/>
               </a:endParaRPr>
@@ -20041,91 +19261,6 @@
           </p:txBody>
         </p:sp>
       </p:grpSp>
-      <p:sp>
-        <p:nvSpPr>
-          <p:cNvPr id="2" name="TextBox 1"/>
-          <p:cNvSpPr txBox="1"/>
-          <p:nvPr/>
-        </p:nvSpPr>
-        <p:spPr>
-          <a:xfrm>
-            <a:off x="3730752" y="3802566"/>
-            <a:ext cx="1956816" cy="1477328"/>
-          </a:xfrm>
-          <a:prstGeom prst="rect">
-            <a:avLst/>
-          </a:prstGeom>
-          <a:noFill/>
-        </p:spPr>
-        <p:txBody>
-          <a:bodyPr wrap="square" rtlCol="0">
-            <a:spAutoFit/>
-          </a:bodyPr>
-          <a:lstStyle/>
-          <a:p>
-            <a:r>
-              <a:rPr lang="ko-KR" altLang="en-US" dirty="0" smtClean="0"/>
-              <a:t>교통정보 </a:t>
-            </a:r>
-            <a:r>
-              <a:rPr lang="en-US" altLang="ko-KR" dirty="0" smtClean="0"/>
-              <a:t>:</a:t>
-            </a:r>
-            <a:endParaRPr lang="en-US" altLang="ko-KR" dirty="0"/>
-          </a:p>
-          <a:p>
-            <a:r>
-              <a:rPr lang="en-US" altLang="ko-KR" dirty="0" smtClean="0"/>
-              <a:t>http://data.seoul.go.kr/dataList/datasetList.do </a:t>
-            </a:r>
-          </a:p>
-          <a:p>
-            <a:endParaRPr lang="ko-KR" altLang="en-US" dirty="0"/>
-          </a:p>
-        </p:txBody>
-      </p:sp>
-      <p:sp>
-        <p:nvSpPr>
-          <p:cNvPr id="36" name="TextBox 35"/>
-          <p:cNvSpPr txBox="1"/>
-          <p:nvPr/>
-        </p:nvSpPr>
-        <p:spPr>
-          <a:xfrm>
-            <a:off x="6319584" y="3813749"/>
-            <a:ext cx="1956816" cy="1477328"/>
-          </a:xfrm>
-          <a:prstGeom prst="rect">
-            <a:avLst/>
-          </a:prstGeom>
-          <a:noFill/>
-        </p:spPr>
-        <p:txBody>
-          <a:bodyPr wrap="square" rtlCol="0">
-            <a:spAutoFit/>
-          </a:bodyPr>
-          <a:lstStyle/>
-          <a:p>
-            <a:r>
-              <a:rPr lang="ko-KR" altLang="en-US" dirty="0" smtClean="0"/>
-              <a:t>날씨정보 </a:t>
-            </a:r>
-            <a:r>
-              <a:rPr lang="en-US" altLang="ko-KR" dirty="0" smtClean="0"/>
-              <a:t>: </a:t>
-            </a:r>
-          </a:p>
-          <a:p>
-            <a:r>
-              <a:rPr lang="en-US" altLang="ko-KR" dirty="0" smtClean="0"/>
-              <a:t>www.weather.go.kr/weather/main.jsp</a:t>
-            </a:r>
-          </a:p>
-          <a:p>
-            <a:endParaRPr lang="ko-KR" altLang="en-US" dirty="0"/>
-          </a:p>
-        </p:txBody>
-      </p:sp>
     </p:spTree>
   </p:cSld>
   <p:clrMapOvr>
@@ -21043,26 +20178,6 @@
                 <a:ea typeface="HY신명조"/>
               </a:rPr>
               <a:t>교통</a:t>
-            </a:r>
-            <a:r>
-              <a:rPr lang="en-US" altLang="ko-KR" sz="1400" b="1" strike="noStrike" spc="-1" dirty="0" smtClean="0">
-                <a:solidFill>
-                  <a:srgbClr val="404040"/>
-                </a:solidFill>
-                <a:latin typeface="HY신명조"/>
-                <a:ea typeface="HY신명조"/>
-              </a:rPr>
-              <a:t>,</a:t>
-            </a:r>
-            <a:r>
-              <a:rPr lang="ko-KR" altLang="en-US" sz="1400" b="1" strike="noStrike" spc="-1" dirty="0" smtClean="0">
-                <a:solidFill>
-                  <a:srgbClr val="404040"/>
-                </a:solidFill>
-                <a:latin typeface="HY신명조"/>
-                <a:ea typeface="HY신명조"/>
-              </a:rPr>
-              <a:t>일정</a:t>
             </a:r>
             <a:endParaRPr lang="en-US" altLang="ko-KR" sz="1400" b="1" strike="noStrike" spc="-1" dirty="0" smtClean="0">
               <a:solidFill>
